--- a/Bell.pptx
+++ b/Bell.pptx
@@ -8,6 +8,7 @@
     <p:sldId id="256" r:id="rId2"/>
     <p:sldId id="257" r:id="rId3"/>
     <p:sldId id="258" r:id="rId4"/>
+    <p:sldId id="259" r:id="rId5"/>
   </p:sldIdLst>
   <p:sldSz cx="12192000" cy="6858000"/>
   <p:notesSz cx="6858000" cy="9144000"/>
@@ -3644,7 +3645,9 @@
         </p:nvSpPr>
         <p:spPr/>
         <p:txBody>
-          <a:bodyPr/>
+          <a:bodyPr>
+            <a:normAutofit lnSpcReduction="10000"/>
+          </a:bodyPr>
           <a:lstStyle/>
           <a:p>
             <a:pPr marL="0" indent="0">
@@ -3682,96 +3685,153 @@
             <a:endParaRPr lang="ru-RU" sz="2000" dirty="0" smtClean="0"/>
           </a:p>
           <a:p>
+            <a:pPr marL="0" indent="0">
+              <a:buNone/>
+            </a:pPr>
+            <a:r>
+              <a:rPr lang="ru-RU" dirty="0" smtClean="0"/>
+              <a:t>2</a:t>
+            </a:r>
+            <a:r>
+              <a:rPr lang="ru-RU" dirty="0" smtClean="0"/>
+              <a:t>. </a:t>
+            </a:r>
+            <a:r>
+              <a:rPr lang="ru-RU" dirty="0" smtClean="0"/>
+              <a:t>Чтения из </a:t>
+            </a:r>
+            <a:r>
+              <a:rPr lang="en-US" dirty="0" err="1" smtClean="0"/>
+              <a:t>Redis</a:t>
+            </a:r>
+            <a:r>
+              <a:rPr lang="en-US" dirty="0" smtClean="0"/>
+              <a:t> </a:t>
+            </a:r>
+            <a:r>
+              <a:rPr lang="ru-RU" dirty="0" smtClean="0"/>
+              <a:t>переменной и вызов </a:t>
+            </a:r>
+            <a:r>
+              <a:rPr lang="ru-RU" dirty="0" smtClean="0"/>
+              <a:t>функции</a:t>
+            </a:r>
+            <a:r>
+              <a:rPr lang="en-US" dirty="0" smtClean="0"/>
+              <a:t>:</a:t>
+            </a:r>
+          </a:p>
+          <a:p>
+            <a:pPr marL="0" indent="0" algn="ctr">
+              <a:buNone/>
+            </a:pPr>
+            <a:r>
+              <a:rPr lang="en-US" sz="2000" dirty="0" smtClean="0"/>
+              <a:t>{ "in" : [ “</a:t>
+            </a:r>
+            <a:r>
+              <a:rPr lang="en-US" sz="2000" dirty="0" err="1" smtClean="0"/>
+              <a:t>val.a</a:t>
+            </a:r>
+            <a:r>
+              <a:rPr lang="en-US" sz="2000" dirty="0" smtClean="0"/>
+              <a:t>”, 1], "call" : "add", "out" : "a" }</a:t>
+            </a:r>
+            <a:endParaRPr lang="ru-RU" sz="2000" dirty="0" smtClean="0"/>
+          </a:p>
+          <a:p>
+            <a:pPr marL="0" indent="0">
+              <a:buNone/>
+            </a:pPr>
+            <a:r>
+              <a:rPr lang="ru-RU" dirty="0" smtClean="0"/>
+              <a:t>3. Вызов функции и передача результата клиенту (</a:t>
+            </a:r>
+            <a:r>
+              <a:rPr lang="en-US" dirty="0" smtClean="0"/>
+              <a:t>Producer):</a:t>
+            </a:r>
+          </a:p>
+          <a:p>
+            <a:pPr marL="0" indent="0" algn="ctr">
+              <a:buNone/>
+            </a:pPr>
+            <a:r>
+              <a:rPr lang="en-US" sz="2000" dirty="0" smtClean="0"/>
+              <a:t>{ "in" : [ 1, 1], "call" : "add", "out" : "a" }</a:t>
+            </a:r>
+            <a:endParaRPr lang="ru-RU" sz="2000" dirty="0" smtClean="0"/>
+          </a:p>
+          <a:p>
+            <a:pPr marL="0" indent="0">
+              <a:buNone/>
+            </a:pPr>
+            <a:r>
+              <a:rPr lang="ru-RU" dirty="0" smtClean="0"/>
+              <a:t>4. </a:t>
+            </a:r>
+            <a:r>
+              <a:rPr lang="ru-RU" dirty="0" smtClean="0"/>
+              <a:t>Пакетная обработка сценариев </a:t>
+            </a:r>
+            <a:r>
+              <a:rPr lang="en-US" dirty="0" smtClean="0"/>
+              <a:t>:</a:t>
+            </a:r>
+          </a:p>
+          <a:p>
+            <a:pPr marL="0" indent="0" algn="ctr">
+              <a:buNone/>
+            </a:pPr>
+            <a:r>
+              <a:rPr lang="en-US" sz="2000" dirty="0" smtClean="0"/>
+              <a:t>[ </a:t>
+            </a:r>
+            <a:r>
+              <a:rPr lang="en-US" sz="2000" dirty="0" smtClean="0"/>
+              <a:t>{ "in" : [ 1, 1], "call" : "add", "out" : "a" }, </a:t>
+            </a:r>
+          </a:p>
+          <a:p>
+            <a:pPr marL="0" indent="0" algn="ctr">
+              <a:buNone/>
+            </a:pPr>
+            <a:r>
+              <a:rPr lang="en-US" sz="2000" dirty="0" smtClean="0"/>
+              <a:t> { "in" : [ 1, 1], "call" : "add", "out" : "a" }, </a:t>
+            </a:r>
+          </a:p>
+          <a:p>
+            <a:pPr marL="0" indent="0" algn="ctr">
+              <a:buNone/>
+            </a:pPr>
+            <a:r>
+              <a:rPr lang="en-US" sz="2000" dirty="0" smtClean="0"/>
+              <a:t> { "in" : [ 1, 1], "call" : "add", "out" : “return" } ]</a:t>
+            </a:r>
+          </a:p>
+          <a:p>
+            <a:pPr marL="0" indent="0" algn="ctr">
+              <a:buNone/>
+            </a:pPr>
+            <a:endParaRPr lang="en-US" sz="2000" dirty="0" smtClean="0"/>
+          </a:p>
+          <a:p>
+            <a:pPr marL="0" indent="0" algn="ctr">
+              <a:buNone/>
+            </a:pPr>
+            <a:endParaRPr lang="en-US" sz="2000" dirty="0" smtClean="0"/>
+          </a:p>
+          <a:p>
             <a:pPr marL="0" indent="0" algn="ctr">
               <a:buNone/>
             </a:pPr>
             <a:endParaRPr lang="ru-RU" dirty="0" smtClean="0"/>
           </a:p>
           <a:p>
-            <a:pPr marL="0" indent="0">
+            <a:pPr marL="0" indent="0" algn="ctr">
               <a:buNone/>
             </a:pPr>
-            <a:r>
-              <a:rPr lang="ru-RU" dirty="0"/>
-              <a:t>2</a:t>
-            </a:r>
-            <a:r>
-              <a:rPr lang="ru-RU" dirty="0" smtClean="0"/>
-              <a:t>. </a:t>
-            </a:r>
-            <a:r>
-              <a:rPr lang="ru-RU" dirty="0" smtClean="0"/>
-              <a:t>Чтения из </a:t>
-            </a:r>
-            <a:r>
-              <a:rPr lang="en-US" dirty="0" err="1" smtClean="0"/>
-              <a:t>Redis</a:t>
-            </a:r>
-            <a:r>
-              <a:rPr lang="en-US" dirty="0" smtClean="0"/>
-              <a:t> </a:t>
-            </a:r>
-            <a:r>
-              <a:rPr lang="ru-RU" dirty="0" smtClean="0"/>
-              <a:t>переменной и </a:t>
-            </a:r>
-            <a:r>
-              <a:rPr lang="ru-RU" dirty="0" err="1" smtClean="0"/>
-              <a:t>вызв</a:t>
-            </a:r>
-            <a:r>
-              <a:rPr lang="ru-RU" dirty="0" smtClean="0"/>
-              <a:t> </a:t>
-            </a:r>
-            <a:r>
-              <a:rPr lang="ru-RU" dirty="0" smtClean="0"/>
-              <a:t>функции</a:t>
-            </a:r>
-            <a:r>
-              <a:rPr lang="en-US" dirty="0" smtClean="0"/>
-              <a:t>:</a:t>
-            </a:r>
-          </a:p>
-          <a:p>
-            <a:pPr marL="0" indent="0" algn="ctr">
-              <a:buNone/>
-            </a:pPr>
-            <a:r>
-              <a:rPr lang="en-US" sz="2000" dirty="0" smtClean="0"/>
-              <a:t>{ "in" : [val.a1, 1], "call" : "add", "out" : "a" }</a:t>
-            </a:r>
-            <a:endParaRPr lang="ru-RU" sz="2000" dirty="0" smtClean="0"/>
-          </a:p>
-          <a:p>
-            <a:pPr marL="0" indent="0" algn="ctr">
-              <a:buNone/>
-            </a:pPr>
-            <a:endParaRPr lang="en-US" sz="2000" dirty="0" smtClean="0"/>
-          </a:p>
-          <a:p>
-            <a:pPr marL="0" indent="0">
-              <a:buNone/>
-            </a:pPr>
-            <a:r>
-              <a:rPr lang="ru-RU" dirty="0" smtClean="0"/>
-              <a:t>3. Вызов функции и передача результата клиенту (</a:t>
-            </a:r>
-            <a:r>
-              <a:rPr lang="en-US" smtClean="0"/>
-              <a:t>Producer):</a:t>
-            </a:r>
-            <a:endParaRPr lang="en-US" dirty="0" smtClean="0"/>
-          </a:p>
-          <a:p>
-            <a:pPr marL="0" indent="0" algn="ctr">
-              <a:buNone/>
-            </a:pPr>
-            <a:r>
-              <a:rPr lang="en-US" sz="2000" dirty="0" smtClean="0"/>
-              <a:t>{ "in" : [ 1, 1], "call" : "add", "out" : "a" }</a:t>
-            </a:r>
-          </a:p>
-          <a:p>
             <a:endParaRPr lang="ru-RU" dirty="0"/>
           </a:p>
         </p:txBody>
@@ -3780,6 +3840,598 @@
     <p:extLst>
       <p:ext uri="{BB962C8B-B14F-4D97-AF65-F5344CB8AC3E}">
         <p14:creationId xmlns:p14="http://schemas.microsoft.com/office/powerpoint/2010/main" val="3557439989"/>
+      </p:ext>
+    </p:extLst>
+  </p:cSld>
+  <p:clrMapOvr>
+    <a:masterClrMapping/>
+  </p:clrMapOvr>
+</p:sld>
+</file>
+
+<file path=ppt/slides/slide4.xml><?xml version="1.0" encoding="utf-8"?>
+<p:sld xmlns:a="http://schemas.openxmlformats.org/drawingml/2006/main" xmlns:r="http://schemas.openxmlformats.org/officeDocument/2006/relationships" xmlns:p="http://schemas.openxmlformats.org/presentationml/2006/main">
+  <p:cSld>
+    <p:spTree>
+      <p:nvGrpSpPr>
+        <p:cNvPr id="1" name=""/>
+        <p:cNvGrpSpPr/>
+        <p:nvPr/>
+      </p:nvGrpSpPr>
+      <p:grpSpPr>
+        <a:xfrm>
+          <a:off x="0" y="0"/>
+          <a:ext cx="0" cy="0"/>
+          <a:chOff x="0" y="0"/>
+          <a:chExt cx="0" cy="0"/>
+        </a:xfrm>
+      </p:grpSpPr>
+      <p:sp>
+        <p:nvSpPr>
+          <p:cNvPr id="2" name="Заголовок 1"/>
+          <p:cNvSpPr>
+            <a:spLocks noGrp="1"/>
+          </p:cNvSpPr>
+          <p:nvPr>
+            <p:ph type="title"/>
+          </p:nvPr>
+        </p:nvSpPr>
+        <p:spPr/>
+        <p:txBody>
+          <a:bodyPr/>
+          <a:lstStyle/>
+          <a:p>
+            <a:r>
+              <a:rPr lang="ru-RU" dirty="0" smtClean="0"/>
+              <a:t>Каналы</a:t>
+            </a:r>
+            <a:endParaRPr lang="ru-RU" dirty="0"/>
+          </a:p>
+        </p:txBody>
+      </p:sp>
+      <p:sp>
+        <p:nvSpPr>
+          <p:cNvPr id="4" name="Прямоугольник 3"/>
+          <p:cNvSpPr/>
+          <p:nvPr/>
+        </p:nvSpPr>
+        <p:spPr>
+          <a:xfrm>
+            <a:off x="838200" y="2082800"/>
+            <a:ext cx="1638300" cy="2540000"/>
+          </a:xfrm>
+          <a:prstGeom prst="rect">
+            <a:avLst/>
+          </a:prstGeom>
+        </p:spPr>
+        <p:style>
+          <a:lnRef idx="2">
+            <a:schemeClr val="accent1">
+              <a:shade val="50000"/>
+            </a:schemeClr>
+          </a:lnRef>
+          <a:fillRef idx="1">
+            <a:schemeClr val="accent1"/>
+          </a:fillRef>
+          <a:effectRef idx="0">
+            <a:schemeClr val="accent1"/>
+          </a:effectRef>
+          <a:fontRef idx="minor">
+            <a:schemeClr val="lt1"/>
+          </a:fontRef>
+        </p:style>
+        <p:txBody>
+          <a:bodyPr rtlCol="0" anchor="ctr"/>
+          <a:lstStyle/>
+          <a:p>
+            <a:pPr algn="ctr"/>
+            <a:r>
+              <a:rPr lang="en-US" dirty="0" smtClean="0"/>
+              <a:t>Producers</a:t>
+            </a:r>
+          </a:p>
+          <a:p>
+            <a:pPr algn="ctr"/>
+            <a:r>
+              <a:rPr lang="en-US" dirty="0" smtClean="0"/>
+              <a:t>APP_ID</a:t>
+            </a:r>
+            <a:endParaRPr lang="ru-RU" dirty="0"/>
+          </a:p>
+        </p:txBody>
+      </p:sp>
+      <p:sp>
+        <p:nvSpPr>
+          <p:cNvPr id="5" name="Двойная стрелка влево/вправо 4"/>
+          <p:cNvSpPr/>
+          <p:nvPr/>
+        </p:nvSpPr>
+        <p:spPr>
+          <a:xfrm>
+            <a:off x="2476500" y="2082800"/>
+            <a:ext cx="1866900" cy="939800"/>
+          </a:xfrm>
+          <a:prstGeom prst="leftRightArrow">
+            <a:avLst/>
+          </a:prstGeom>
+        </p:spPr>
+        <p:style>
+          <a:lnRef idx="2">
+            <a:schemeClr val="accent1">
+              <a:shade val="50000"/>
+            </a:schemeClr>
+          </a:lnRef>
+          <a:fillRef idx="1">
+            <a:schemeClr val="accent1"/>
+          </a:fillRef>
+          <a:effectRef idx="0">
+            <a:schemeClr val="accent1"/>
+          </a:effectRef>
+          <a:fontRef idx="minor">
+            <a:schemeClr val="lt1"/>
+          </a:fontRef>
+        </p:style>
+        <p:txBody>
+          <a:bodyPr rtlCol="0" anchor="ctr"/>
+          <a:lstStyle/>
+          <a:p>
+            <a:pPr algn="ctr"/>
+            <a:r>
+              <a:rPr lang="en-US" dirty="0" smtClean="0"/>
+              <a:t>QUERY BSS</a:t>
+            </a:r>
+            <a:endParaRPr lang="ru-RU" dirty="0"/>
+          </a:p>
+        </p:txBody>
+      </p:sp>
+      <p:sp>
+        <p:nvSpPr>
+          <p:cNvPr id="6" name="Прямоугольник 5"/>
+          <p:cNvSpPr/>
+          <p:nvPr/>
+        </p:nvSpPr>
+        <p:spPr>
+          <a:xfrm>
+            <a:off x="4343400" y="2082800"/>
+            <a:ext cx="1638300" cy="2540000"/>
+          </a:xfrm>
+          <a:prstGeom prst="rect">
+            <a:avLst/>
+          </a:prstGeom>
+        </p:spPr>
+        <p:style>
+          <a:lnRef idx="2">
+            <a:schemeClr val="accent1">
+              <a:shade val="50000"/>
+            </a:schemeClr>
+          </a:lnRef>
+          <a:fillRef idx="1">
+            <a:schemeClr val="accent1"/>
+          </a:fillRef>
+          <a:effectRef idx="0">
+            <a:schemeClr val="accent1"/>
+          </a:effectRef>
+          <a:fontRef idx="minor">
+            <a:schemeClr val="lt1"/>
+          </a:fontRef>
+        </p:style>
+        <p:txBody>
+          <a:bodyPr rtlCol="0" anchor="ctr"/>
+          <a:lstStyle/>
+          <a:p>
+            <a:pPr algn="ctr"/>
+            <a:r>
+              <a:rPr lang="en-US" dirty="0" err="1" smtClean="0"/>
+              <a:t>RabbitMQ</a:t>
+            </a:r>
+            <a:endParaRPr lang="ru-RU" dirty="0"/>
+          </a:p>
+        </p:txBody>
+      </p:sp>
+      <p:sp>
+        <p:nvSpPr>
+          <p:cNvPr id="8" name="Стрелка вправо 7"/>
+          <p:cNvSpPr/>
+          <p:nvPr/>
+        </p:nvSpPr>
+        <p:spPr>
+          <a:xfrm>
+            <a:off x="2476500" y="3414712"/>
+            <a:ext cx="1866900" cy="914400"/>
+          </a:xfrm>
+          <a:prstGeom prst="rightArrow">
+            <a:avLst/>
+          </a:prstGeom>
+        </p:spPr>
+        <p:style>
+          <a:lnRef idx="2">
+            <a:schemeClr val="accent1">
+              <a:shade val="50000"/>
+            </a:schemeClr>
+          </a:lnRef>
+          <a:fillRef idx="1">
+            <a:schemeClr val="accent1"/>
+          </a:fillRef>
+          <a:effectRef idx="0">
+            <a:schemeClr val="accent1"/>
+          </a:effectRef>
+          <a:fontRef idx="minor">
+            <a:schemeClr val="lt1"/>
+          </a:fontRef>
+        </p:style>
+        <p:txBody>
+          <a:bodyPr rtlCol="0" anchor="ctr"/>
+          <a:lstStyle/>
+          <a:p>
+            <a:pPr algn="ctr"/>
+            <a:r>
+              <a:rPr lang="en-US" dirty="0" smtClean="0"/>
+              <a:t>TOPIC CODE</a:t>
+            </a:r>
+            <a:endParaRPr lang="ru-RU" dirty="0"/>
+          </a:p>
+        </p:txBody>
+      </p:sp>
+      <p:sp>
+        <p:nvSpPr>
+          <p:cNvPr id="9" name="Прямоугольник 8"/>
+          <p:cNvSpPr/>
+          <p:nvPr/>
+        </p:nvSpPr>
+        <p:spPr>
+          <a:xfrm>
+            <a:off x="7029450" y="4227512"/>
+            <a:ext cx="1638300" cy="1366044"/>
+          </a:xfrm>
+          <a:prstGeom prst="rect">
+            <a:avLst/>
+          </a:prstGeom>
+        </p:spPr>
+        <p:style>
+          <a:lnRef idx="2">
+            <a:schemeClr val="accent1">
+              <a:shade val="50000"/>
+            </a:schemeClr>
+          </a:lnRef>
+          <a:fillRef idx="1">
+            <a:schemeClr val="accent1"/>
+          </a:fillRef>
+          <a:effectRef idx="0">
+            <a:schemeClr val="accent1"/>
+          </a:effectRef>
+          <a:fontRef idx="minor">
+            <a:schemeClr val="lt1"/>
+          </a:fontRef>
+        </p:style>
+        <p:txBody>
+          <a:bodyPr rtlCol="0" anchor="ctr"/>
+          <a:lstStyle/>
+          <a:p>
+            <a:pPr algn="ctr"/>
+            <a:r>
+              <a:rPr lang="en-US" dirty="0" smtClean="0"/>
+              <a:t>Consumer</a:t>
+            </a:r>
+          </a:p>
+          <a:p>
+            <a:pPr algn="ctr"/>
+            <a:r>
+              <a:rPr lang="en-US" dirty="0" smtClean="0"/>
+              <a:t>CODE</a:t>
+            </a:r>
+            <a:endParaRPr lang="ru-RU" dirty="0"/>
+          </a:p>
+        </p:txBody>
+      </p:sp>
+      <p:sp>
+        <p:nvSpPr>
+          <p:cNvPr id="10" name="Прямоугольник 9"/>
+          <p:cNvSpPr/>
+          <p:nvPr/>
+        </p:nvSpPr>
+        <p:spPr>
+          <a:xfrm>
+            <a:off x="7029450" y="2301478"/>
+            <a:ext cx="1638300" cy="1366044"/>
+          </a:xfrm>
+          <a:prstGeom prst="rect">
+            <a:avLst/>
+          </a:prstGeom>
+        </p:spPr>
+        <p:style>
+          <a:lnRef idx="2">
+            <a:schemeClr val="accent1">
+              <a:shade val="50000"/>
+            </a:schemeClr>
+          </a:lnRef>
+          <a:fillRef idx="1">
+            <a:schemeClr val="accent1"/>
+          </a:fillRef>
+          <a:effectRef idx="0">
+            <a:schemeClr val="accent1"/>
+          </a:effectRef>
+          <a:fontRef idx="minor">
+            <a:schemeClr val="lt1"/>
+          </a:fontRef>
+        </p:style>
+        <p:txBody>
+          <a:bodyPr rtlCol="0" anchor="ctr"/>
+          <a:lstStyle/>
+          <a:p>
+            <a:pPr algn="ctr"/>
+            <a:r>
+              <a:rPr lang="en-US" dirty="0" smtClean="0"/>
+              <a:t>Consumer</a:t>
+            </a:r>
+          </a:p>
+          <a:p>
+            <a:pPr algn="ctr"/>
+            <a:r>
+              <a:rPr lang="en-US" dirty="0" smtClean="0"/>
+              <a:t>CODE</a:t>
+            </a:r>
+            <a:endParaRPr lang="ru-RU" dirty="0"/>
+          </a:p>
+        </p:txBody>
+      </p:sp>
+      <p:cxnSp>
+        <p:nvCxnSpPr>
+          <p:cNvPr id="12" name="Соединительная линия уступом 11"/>
+          <p:cNvCxnSpPr>
+            <a:stCxn id="6" idx="3"/>
+            <a:endCxn id="9" idx="1"/>
+          </p:cNvCxnSpPr>
+          <p:nvPr/>
+        </p:nvCxnSpPr>
+        <p:spPr>
+          <a:xfrm>
+            <a:off x="5981700" y="3352800"/>
+            <a:ext cx="1047750" cy="1557734"/>
+          </a:xfrm>
+          <a:prstGeom prst="bentConnector3">
+            <a:avLst/>
+          </a:prstGeom>
+          <a:ln>
+            <a:tailEnd type="triangle"/>
+          </a:ln>
+        </p:spPr>
+        <p:style>
+          <a:lnRef idx="1">
+            <a:schemeClr val="accent1"/>
+          </a:lnRef>
+          <a:fillRef idx="0">
+            <a:schemeClr val="accent1"/>
+          </a:fillRef>
+          <a:effectRef idx="0">
+            <a:schemeClr val="accent1"/>
+          </a:effectRef>
+          <a:fontRef idx="minor">
+            <a:schemeClr val="tx1"/>
+          </a:fontRef>
+        </p:style>
+      </p:cxnSp>
+      <p:cxnSp>
+        <p:nvCxnSpPr>
+          <p:cNvPr id="14" name="Соединительная линия уступом 13"/>
+          <p:cNvCxnSpPr>
+            <a:stCxn id="6" idx="3"/>
+            <a:endCxn id="10" idx="1"/>
+          </p:cNvCxnSpPr>
+          <p:nvPr/>
+        </p:nvCxnSpPr>
+        <p:spPr>
+          <a:xfrm flipV="1">
+            <a:off x="5981700" y="2984500"/>
+            <a:ext cx="1047750" cy="368300"/>
+          </a:xfrm>
+          <a:prstGeom prst="bentConnector3">
+            <a:avLst/>
+          </a:prstGeom>
+          <a:ln>
+            <a:tailEnd type="triangle"/>
+          </a:ln>
+        </p:spPr>
+        <p:style>
+          <a:lnRef idx="1">
+            <a:schemeClr val="accent1"/>
+          </a:lnRef>
+          <a:fillRef idx="0">
+            <a:schemeClr val="accent1"/>
+          </a:fillRef>
+          <a:effectRef idx="0">
+            <a:schemeClr val="accent1"/>
+          </a:effectRef>
+          <a:fontRef idx="minor">
+            <a:schemeClr val="tx1"/>
+          </a:fontRef>
+        </p:style>
+      </p:cxnSp>
+      <p:sp>
+        <p:nvSpPr>
+          <p:cNvPr id="15" name="TextBox 14"/>
+          <p:cNvSpPr txBox="1"/>
+          <p:nvPr/>
+        </p:nvSpPr>
+        <p:spPr>
+          <a:xfrm>
+            <a:off x="520700" y="5854700"/>
+            <a:ext cx="8966200" cy="923330"/>
+          </a:xfrm>
+          <a:prstGeom prst="rect">
+            <a:avLst/>
+          </a:prstGeom>
+          <a:noFill/>
+        </p:spPr>
+        <p:txBody>
+          <a:bodyPr wrap="square" rtlCol="0">
+            <a:spAutoFit/>
+          </a:bodyPr>
+          <a:lstStyle/>
+          <a:p>
+            <a:r>
+              <a:rPr lang="ru-RU" dirty="0" smtClean="0"/>
+              <a:t>Конфигурация </a:t>
+            </a:r>
+            <a:r>
+              <a:rPr lang="en-US" dirty="0" err="1" smtClean="0"/>
+              <a:t>RabbitMQ</a:t>
+            </a:r>
+            <a:r>
+              <a:rPr lang="en-US" dirty="0"/>
+              <a:t>:</a:t>
+            </a:r>
+            <a:endParaRPr lang="en-US" dirty="0" smtClean="0"/>
+          </a:p>
+          <a:p>
+            <a:r>
+              <a:rPr lang="en-US" b="1" dirty="0" err="1" smtClean="0"/>
+              <a:t>channel.basic_qos</a:t>
+            </a:r>
+            <a:r>
+              <a:rPr lang="en-US" b="1" dirty="0" smtClean="0"/>
+              <a:t>(</a:t>
+            </a:r>
+            <a:r>
+              <a:rPr lang="en-US" b="1" dirty="0" err="1" smtClean="0"/>
+              <a:t>prefetch_count</a:t>
+            </a:r>
+            <a:r>
+              <a:rPr lang="en-US" b="1" dirty="0" smtClean="0"/>
+              <a:t>=1) </a:t>
+            </a:r>
+          </a:p>
+          <a:p>
+            <a:r>
+              <a:rPr lang="ru-RU" dirty="0" smtClean="0"/>
+              <a:t>Позволяет отправлять только по одному сообщению на обработку, свободному </a:t>
+            </a:r>
+            <a:r>
+              <a:rPr lang="en-US" dirty="0" smtClean="0"/>
+              <a:t>consumer</a:t>
+            </a:r>
+          </a:p>
+        </p:txBody>
+      </p:sp>
+      <p:sp>
+        <p:nvSpPr>
+          <p:cNvPr id="18" name="Прямоугольник 17"/>
+          <p:cNvSpPr/>
+          <p:nvPr/>
+        </p:nvSpPr>
+        <p:spPr>
+          <a:xfrm>
+            <a:off x="9715500" y="2144712"/>
+            <a:ext cx="2057400" cy="2540000"/>
+          </a:xfrm>
+          <a:prstGeom prst="rect">
+            <a:avLst/>
+          </a:prstGeom>
+        </p:spPr>
+        <p:style>
+          <a:lnRef idx="2">
+            <a:schemeClr val="accent1">
+              <a:shade val="50000"/>
+            </a:schemeClr>
+          </a:lnRef>
+          <a:fillRef idx="1">
+            <a:schemeClr val="accent1"/>
+          </a:fillRef>
+          <a:effectRef idx="0">
+            <a:schemeClr val="accent1"/>
+          </a:effectRef>
+          <a:fontRef idx="minor">
+            <a:schemeClr val="lt1"/>
+          </a:fontRef>
+        </p:style>
+        <p:txBody>
+          <a:bodyPr rtlCol="0" anchor="ctr"/>
+          <a:lstStyle/>
+          <a:p>
+            <a:pPr algn="ctr"/>
+            <a:r>
+              <a:rPr lang="en-US" dirty="0" err="1" smtClean="0"/>
+              <a:t>Redis</a:t>
+            </a:r>
+            <a:r>
+              <a:rPr lang="en-US" dirty="0"/>
+              <a:t>:</a:t>
+            </a:r>
+            <a:endParaRPr lang="en-US" dirty="0" smtClean="0"/>
+          </a:p>
+          <a:p>
+            <a:pPr algn="ctr"/>
+            <a:r>
+              <a:rPr lang="en-US" dirty="0" err="1" smtClean="0"/>
+              <a:t>Producer.ID.VARS</a:t>
+            </a:r>
+            <a:endParaRPr lang="en-US" dirty="0" smtClean="0"/>
+          </a:p>
+          <a:p>
+            <a:pPr algn="ctr"/>
+            <a:r>
+              <a:rPr lang="en-US" dirty="0" err="1" smtClean="0"/>
+              <a:t>Producer.ID.VARS</a:t>
+            </a:r>
+            <a:endParaRPr lang="ru-RU" dirty="0" smtClean="0"/>
+          </a:p>
+          <a:p>
+            <a:pPr algn="ctr"/>
+            <a:r>
+              <a:rPr lang="en-US" dirty="0" err="1" smtClean="0"/>
+              <a:t>Producer.ID.VARS</a:t>
+            </a:r>
+            <a:endParaRPr lang="ru-RU" dirty="0" smtClean="0"/>
+          </a:p>
+          <a:p>
+            <a:pPr algn="ctr"/>
+            <a:endParaRPr lang="ru-RU" dirty="0"/>
+          </a:p>
+        </p:txBody>
+      </p:sp>
+      <p:sp>
+        <p:nvSpPr>
+          <p:cNvPr id="20" name="Двойная стрелка влево/вправо 19"/>
+          <p:cNvSpPr/>
+          <p:nvPr/>
+        </p:nvSpPr>
+        <p:spPr>
+          <a:xfrm>
+            <a:off x="8667750" y="2855912"/>
+            <a:ext cx="1047750" cy="558800"/>
+          </a:xfrm>
+          <a:prstGeom prst="leftRightArrow">
+            <a:avLst/>
+          </a:prstGeom>
+        </p:spPr>
+        <p:style>
+          <a:lnRef idx="2">
+            <a:schemeClr val="accent1">
+              <a:shade val="50000"/>
+            </a:schemeClr>
+          </a:lnRef>
+          <a:fillRef idx="1">
+            <a:schemeClr val="accent1"/>
+          </a:fillRef>
+          <a:effectRef idx="0">
+            <a:schemeClr val="accent1"/>
+          </a:effectRef>
+          <a:fontRef idx="minor">
+            <a:schemeClr val="lt1"/>
+          </a:fontRef>
+        </p:style>
+        <p:txBody>
+          <a:bodyPr rtlCol="0" anchor="ctr"/>
+          <a:lstStyle/>
+          <a:p>
+            <a:pPr algn="ctr"/>
+            <a:endParaRPr lang="ru-RU"/>
+          </a:p>
+        </p:txBody>
+      </p:sp>
+    </p:spTree>
+    <p:extLst>
+      <p:ext uri="{BB962C8B-B14F-4D97-AF65-F5344CB8AC3E}">
+        <p14:creationId xmlns:p14="http://schemas.microsoft.com/office/powerpoint/2010/main" val="403585903"/>
       </p:ext>
     </p:extLst>
   </p:cSld>
